--- a/presentations/project_overview.pptx
+++ b/presentations/project_overview.pptx
@@ -5,8 +5,11 @@
     <p:sldMasterId id="2147483648" r:id="rId1"/>
   </p:sldMasterIdLst>
   <p:sldIdLst>
-    <p:sldId id="256" r:id="rId2"/>
-    <p:sldId id="257" r:id="rId3"/>
+    <p:sldId id="258" r:id="rId2"/>
+    <p:sldId id="259" r:id="rId3"/>
+    <p:sldId id="260" r:id="rId4"/>
+    <p:sldId id="256" r:id="rId5"/>
+    <p:sldId id="257" r:id="rId6"/>
   </p:sldIdLst>
   <p:sldSz cx="12192000" cy="6858000"/>
   <p:notesSz cx="6858000" cy="9144000"/>
@@ -502,7 +505,7 @@
           <a:p>
             <a:fld id="{00C5EB10-A60C-49B1-88B5-8691CB73173A}" type="datetimeFigureOut">
               <a:rPr lang="en-US" smtClean="0"/>
-              <a:t>7/25/2020</a:t>
+              <a:t>8/1/2020</a:t>
             </a:fld>
             <a:endParaRPr lang="en-US"/>
           </a:p>
@@ -670,7 +673,7 @@
           <a:p>
             <a:fld id="{00C5EB10-A60C-49B1-88B5-8691CB73173A}" type="datetimeFigureOut">
               <a:rPr lang="en-US" smtClean="0"/>
-              <a:t>7/25/2020</a:t>
+              <a:t>8/1/2020</a:t>
             </a:fld>
             <a:endParaRPr lang="en-US"/>
           </a:p>
@@ -848,7 +851,7 @@
           <a:p>
             <a:fld id="{00C5EB10-A60C-49B1-88B5-8691CB73173A}" type="datetimeFigureOut">
               <a:rPr lang="en-US" smtClean="0"/>
-              <a:t>7/25/2020</a:t>
+              <a:t>8/1/2020</a:t>
             </a:fld>
             <a:endParaRPr lang="en-US"/>
           </a:p>
@@ -1016,7 +1019,7 @@
           <a:p>
             <a:fld id="{00C5EB10-A60C-49B1-88B5-8691CB73173A}" type="datetimeFigureOut">
               <a:rPr lang="en-US" smtClean="0"/>
-              <a:t>7/25/2020</a:t>
+              <a:t>8/1/2020</a:t>
             </a:fld>
             <a:endParaRPr lang="en-US"/>
           </a:p>
@@ -1261,7 +1264,7 @@
           <a:p>
             <a:fld id="{00C5EB10-A60C-49B1-88B5-8691CB73173A}" type="datetimeFigureOut">
               <a:rPr lang="en-US" smtClean="0"/>
-              <a:t>7/25/2020</a:t>
+              <a:t>8/1/2020</a:t>
             </a:fld>
             <a:endParaRPr lang="en-US"/>
           </a:p>
@@ -1490,7 +1493,7 @@
           <a:p>
             <a:fld id="{00C5EB10-A60C-49B1-88B5-8691CB73173A}" type="datetimeFigureOut">
               <a:rPr lang="en-US" smtClean="0"/>
-              <a:t>7/25/2020</a:t>
+              <a:t>8/1/2020</a:t>
             </a:fld>
             <a:endParaRPr lang="en-US"/>
           </a:p>
@@ -1854,7 +1857,7 @@
           <a:p>
             <a:fld id="{00C5EB10-A60C-49B1-88B5-8691CB73173A}" type="datetimeFigureOut">
               <a:rPr lang="en-US" smtClean="0"/>
-              <a:t>7/25/2020</a:t>
+              <a:t>8/1/2020</a:t>
             </a:fld>
             <a:endParaRPr lang="en-US"/>
           </a:p>
@@ -1971,7 +1974,7 @@
           <a:p>
             <a:fld id="{00C5EB10-A60C-49B1-88B5-8691CB73173A}" type="datetimeFigureOut">
               <a:rPr lang="en-US" smtClean="0"/>
-              <a:t>7/25/2020</a:t>
+              <a:t>8/1/2020</a:t>
             </a:fld>
             <a:endParaRPr lang="en-US"/>
           </a:p>
@@ -2066,7 +2069,7 @@
           <a:p>
             <a:fld id="{00C5EB10-A60C-49B1-88B5-8691CB73173A}" type="datetimeFigureOut">
               <a:rPr lang="en-US" smtClean="0"/>
-              <a:t>7/25/2020</a:t>
+              <a:t>8/1/2020</a:t>
             </a:fld>
             <a:endParaRPr lang="en-US"/>
           </a:p>
@@ -2341,7 +2344,7 @@
           <a:p>
             <a:fld id="{00C5EB10-A60C-49B1-88B5-8691CB73173A}" type="datetimeFigureOut">
               <a:rPr lang="en-US" smtClean="0"/>
-              <a:t>7/25/2020</a:t>
+              <a:t>8/1/2020</a:t>
             </a:fld>
             <a:endParaRPr lang="en-US"/>
           </a:p>
@@ -2593,7 +2596,7 @@
           <a:p>
             <a:fld id="{00C5EB10-A60C-49B1-88B5-8691CB73173A}" type="datetimeFigureOut">
               <a:rPr lang="en-US" smtClean="0"/>
-              <a:t>7/25/2020</a:t>
+              <a:t>8/1/2020</a:t>
             </a:fld>
             <a:endParaRPr lang="en-US"/>
           </a:p>
@@ -2804,7 +2807,7 @@
           <a:p>
             <a:fld id="{00C5EB10-A60C-49B1-88B5-8691CB73173A}" type="datetimeFigureOut">
               <a:rPr lang="en-US" smtClean="0"/>
-              <a:t>7/25/2020</a:t>
+              <a:t>8/1/2020</a:t>
             </a:fld>
             <a:endParaRPr lang="en-US"/>
           </a:p>
@@ -3211,6 +3214,444 @@
       </p:grpSpPr>
       <p:sp>
         <p:nvSpPr>
+          <p:cNvPr id="2" name="Title 1"/>
+          <p:cNvSpPr>
+            <a:spLocks noGrp="1"/>
+          </p:cNvSpPr>
+          <p:nvPr>
+            <p:ph type="title"/>
+          </p:nvPr>
+        </p:nvSpPr>
+        <p:spPr>
+          <a:xfrm>
+            <a:off x="782781" y="993198"/>
+            <a:ext cx="10515600" cy="1842366"/>
+          </a:xfrm>
+        </p:spPr>
+        <p:txBody>
+          <a:bodyPr>
+            <a:normAutofit fontScale="90000"/>
+          </a:bodyPr>
+          <a:lstStyle/>
+          <a:p>
+            <a:r>
+              <a:rPr lang="en-US" b="1" dirty="0" smtClean="0"/>
+              <a:t>home-energy</a:t>
+            </a:r>
+            <a:r>
+              <a:rPr lang="en-US" dirty="0" smtClean="0"/>
+              <a:t>: a dashboard to view solar power production and energy home energy consumption</a:t>
+            </a:r>
+            <a:endParaRPr lang="en-US" dirty="0"/>
+          </a:p>
+        </p:txBody>
+      </p:sp>
+      <p:sp>
+        <p:nvSpPr>
+          <p:cNvPr id="4" name="TextBox 3"/>
+          <p:cNvSpPr txBox="1"/>
+          <p:nvPr/>
+        </p:nvSpPr>
+        <p:spPr>
+          <a:xfrm>
+            <a:off x="782781" y="2650898"/>
+            <a:ext cx="2669309" cy="646331"/>
+          </a:xfrm>
+          <a:prstGeom prst="rect">
+            <a:avLst/>
+          </a:prstGeom>
+          <a:noFill/>
+        </p:spPr>
+        <p:txBody>
+          <a:bodyPr wrap="square" rtlCol="0">
+            <a:spAutoFit/>
+          </a:bodyPr>
+          <a:lstStyle/>
+          <a:p>
+            <a:r>
+              <a:rPr lang="en-US" dirty="0" smtClean="0"/>
+              <a:t>By Dominick J. Lemas</a:t>
+            </a:r>
+          </a:p>
+          <a:p>
+            <a:r>
+              <a:rPr lang="en-US" dirty="0" smtClean="0"/>
+              <a:t>@</a:t>
+            </a:r>
+            <a:r>
+              <a:rPr lang="en-US" dirty="0" err="1" smtClean="0"/>
+              <a:t>dominicklemas</a:t>
+            </a:r>
+            <a:endParaRPr lang="en-US" dirty="0"/>
+          </a:p>
+        </p:txBody>
+      </p:sp>
+    </p:spTree>
+    <p:extLst>
+      <p:ext uri="{BB962C8B-B14F-4D97-AF65-F5344CB8AC3E}">
+        <p14:creationId xmlns:p14="http://schemas.microsoft.com/office/powerpoint/2010/main" val="2690660934"/>
+      </p:ext>
+    </p:extLst>
+  </p:cSld>
+  <p:clrMapOvr>
+    <a:masterClrMapping/>
+  </p:clrMapOvr>
+</p:sld>
+</file>
+
+<file path=ppt/slides/slide2.xml><?xml version="1.0" encoding="utf-8"?>
+<p:sld xmlns:a="http://schemas.openxmlformats.org/drawingml/2006/main" xmlns:r="http://schemas.openxmlformats.org/officeDocument/2006/relationships" xmlns:p="http://schemas.openxmlformats.org/presentationml/2006/main">
+  <p:cSld>
+    <p:spTree>
+      <p:nvGrpSpPr>
+        <p:cNvPr id="1" name=""/>
+        <p:cNvGrpSpPr/>
+        <p:nvPr/>
+      </p:nvGrpSpPr>
+      <p:grpSpPr>
+        <a:xfrm>
+          <a:off x="0" y="0"/>
+          <a:ext cx="0" cy="0"/>
+          <a:chOff x="0" y="0"/>
+          <a:chExt cx="0" cy="0"/>
+        </a:xfrm>
+      </p:grpSpPr>
+      <p:sp>
+        <p:nvSpPr>
+          <p:cNvPr id="2" name="Title 1"/>
+          <p:cNvSpPr>
+            <a:spLocks noGrp="1"/>
+          </p:cNvSpPr>
+          <p:nvPr>
+            <p:ph type="title"/>
+          </p:nvPr>
+        </p:nvSpPr>
+        <p:spPr>
+          <a:xfrm>
+            <a:off x="394855" y="263526"/>
+            <a:ext cx="10515600" cy="734002"/>
+          </a:xfrm>
+        </p:spPr>
+        <p:txBody>
+          <a:bodyPr/>
+          <a:lstStyle/>
+          <a:p>
+            <a:r>
+              <a:rPr lang="en-US" dirty="0" smtClean="0"/>
+              <a:t>Background</a:t>
+            </a:r>
+            <a:endParaRPr lang="en-US" dirty="0"/>
+          </a:p>
+        </p:txBody>
+      </p:sp>
+      <p:sp>
+        <p:nvSpPr>
+          <p:cNvPr id="3" name="Content Placeholder 2"/>
+          <p:cNvSpPr>
+            <a:spLocks noGrp="1"/>
+          </p:cNvSpPr>
+          <p:nvPr>
+            <p:ph idx="1"/>
+          </p:nvPr>
+        </p:nvSpPr>
+        <p:spPr>
+          <a:xfrm>
+            <a:off x="173181" y="997528"/>
+            <a:ext cx="11787910" cy="4996872"/>
+          </a:xfrm>
+        </p:spPr>
+        <p:txBody>
+          <a:bodyPr>
+            <a:normAutofit/>
+          </a:bodyPr>
+          <a:lstStyle/>
+          <a:p>
+            <a:r>
+              <a:rPr lang="en-US" dirty="0"/>
+              <a:t>In 2018, the average annual electricity consumption for a U.S. residential utility customer was 10,972 </a:t>
+            </a:r>
+            <a:r>
+              <a:rPr lang="en-US" dirty="0" err="1"/>
+              <a:t>kilowatthours</a:t>
+            </a:r>
+            <a:r>
+              <a:rPr lang="en-US" dirty="0"/>
+              <a:t> (kWh), an average of about 914 kWh per </a:t>
+            </a:r>
+            <a:r>
+              <a:rPr lang="en-US" dirty="0" smtClean="0"/>
+              <a:t>month (eia.gov). </a:t>
+            </a:r>
+          </a:p>
+          <a:p>
+            <a:r>
+              <a:rPr lang="en-US" dirty="0"/>
+              <a:t>Gainesville Regional </a:t>
+            </a:r>
+            <a:r>
+              <a:rPr lang="en-US" dirty="0" smtClean="0"/>
+              <a:t>Utilities (GRU) </a:t>
+            </a:r>
+            <a:r>
+              <a:rPr lang="en-US" dirty="0"/>
+              <a:t>has the highest residential electricity bill for municipally-owned utilities in the </a:t>
+            </a:r>
+            <a:r>
+              <a:rPr lang="en-US" dirty="0" smtClean="0"/>
+              <a:t>state (GNV Sun).</a:t>
+            </a:r>
+            <a:endParaRPr lang="en-US" dirty="0"/>
+          </a:p>
+          <a:p>
+            <a:r>
+              <a:rPr lang="en-US" dirty="0"/>
+              <a:t>At roughly $132 per 1,000 kWh — a standard for monthly usage — it’s almost $24 above the state average, according to the latest Florida Municipal Electric Association data from </a:t>
+            </a:r>
+            <a:r>
+              <a:rPr lang="en-US" dirty="0" smtClean="0"/>
+              <a:t>October (GNV Sun).</a:t>
+            </a:r>
+          </a:p>
+          <a:p>
+            <a:r>
+              <a:rPr lang="en-US" dirty="0" smtClean="0"/>
+              <a:t>Florida is a great state for home solar power production.</a:t>
+            </a:r>
+            <a:endParaRPr lang="en-US" dirty="0"/>
+          </a:p>
+          <a:p>
+            <a:endParaRPr lang="en-US" dirty="0"/>
+          </a:p>
+        </p:txBody>
+      </p:sp>
+      <p:sp>
+        <p:nvSpPr>
+          <p:cNvPr id="4" name="TextBox 3"/>
+          <p:cNvSpPr txBox="1"/>
+          <p:nvPr/>
+        </p:nvSpPr>
+        <p:spPr>
+          <a:xfrm>
+            <a:off x="173181" y="5735782"/>
+            <a:ext cx="4417291" cy="923330"/>
+          </a:xfrm>
+          <a:prstGeom prst="rect">
+            <a:avLst/>
+          </a:prstGeom>
+          <a:noFill/>
+        </p:spPr>
+        <p:txBody>
+          <a:bodyPr wrap="square" rtlCol="0">
+            <a:spAutoFit/>
+          </a:bodyPr>
+          <a:lstStyle/>
+          <a:p>
+            <a:r>
+              <a:rPr lang="en-US" dirty="0" smtClean="0"/>
+              <a:t>References:</a:t>
+            </a:r>
+          </a:p>
+          <a:p>
+            <a:pPr marL="285750" indent="-285750">
+              <a:buFont typeface="Arial" panose="020B0604020202020204" pitchFamily="34" charset="0"/>
+              <a:buChar char="•"/>
+            </a:pPr>
+            <a:r>
+              <a:rPr lang="en-US" dirty="0" smtClean="0"/>
+              <a:t>eia.gov (</a:t>
+            </a:r>
+            <a:r>
+              <a:rPr lang="en-US" dirty="0" smtClean="0">
+                <a:hlinkClick r:id="rId2"/>
+              </a:rPr>
+              <a:t>https</a:t>
+            </a:r>
+            <a:r>
+              <a:rPr lang="en-US" dirty="0">
+                <a:hlinkClick r:id="rId2"/>
+              </a:rPr>
+              <a:t>://</a:t>
+            </a:r>
+            <a:r>
+              <a:rPr lang="en-US" dirty="0" smtClean="0">
+                <a:hlinkClick r:id="rId2"/>
+              </a:rPr>
+              <a:t>tinyurl.com/y66s68cn</a:t>
+            </a:r>
+            <a:r>
+              <a:rPr lang="en-US" dirty="0" smtClean="0"/>
+              <a:t>)</a:t>
+            </a:r>
+          </a:p>
+          <a:p>
+            <a:pPr marL="285750" indent="-285750">
+              <a:buFont typeface="Arial" panose="020B0604020202020204" pitchFamily="34" charset="0"/>
+              <a:buChar char="•"/>
+            </a:pPr>
+            <a:r>
+              <a:rPr lang="en-US" dirty="0"/>
+              <a:t>GNV Sun (https://</a:t>
+            </a:r>
+            <a:r>
+              <a:rPr lang="en-US" dirty="0" smtClean="0"/>
+              <a:t>tinyurl.com/yym8x782)</a:t>
+            </a:r>
+            <a:endParaRPr lang="en-US" dirty="0"/>
+          </a:p>
+        </p:txBody>
+      </p:sp>
+    </p:spTree>
+    <p:extLst>
+      <p:ext uri="{BB962C8B-B14F-4D97-AF65-F5344CB8AC3E}">
+        <p14:creationId xmlns:p14="http://schemas.microsoft.com/office/powerpoint/2010/main" val="1093349325"/>
+      </p:ext>
+    </p:extLst>
+  </p:cSld>
+  <p:clrMapOvr>
+    <a:masterClrMapping/>
+  </p:clrMapOvr>
+</p:sld>
+</file>
+
+<file path=ppt/slides/slide3.xml><?xml version="1.0" encoding="utf-8"?>
+<p:sld xmlns:a="http://schemas.openxmlformats.org/drawingml/2006/main" xmlns:r="http://schemas.openxmlformats.org/officeDocument/2006/relationships" xmlns:p="http://schemas.openxmlformats.org/presentationml/2006/main">
+  <p:cSld>
+    <p:spTree>
+      <p:nvGrpSpPr>
+        <p:cNvPr id="1" name=""/>
+        <p:cNvGrpSpPr/>
+        <p:nvPr/>
+      </p:nvGrpSpPr>
+      <p:grpSpPr>
+        <a:xfrm>
+          <a:off x="0" y="0"/>
+          <a:ext cx="0" cy="0"/>
+          <a:chOff x="0" y="0"/>
+          <a:chExt cx="0" cy="0"/>
+        </a:xfrm>
+      </p:grpSpPr>
+      <p:sp>
+        <p:nvSpPr>
+          <p:cNvPr id="2" name="Title 1"/>
+          <p:cNvSpPr>
+            <a:spLocks noGrp="1"/>
+          </p:cNvSpPr>
+          <p:nvPr>
+            <p:ph type="title"/>
+          </p:nvPr>
+        </p:nvSpPr>
+        <p:spPr>
+          <a:xfrm>
+            <a:off x="219364" y="143454"/>
+            <a:ext cx="10515600" cy="789420"/>
+          </a:xfrm>
+        </p:spPr>
+        <p:txBody>
+          <a:bodyPr/>
+          <a:lstStyle/>
+          <a:p>
+            <a:r>
+              <a:rPr lang="en-US" dirty="0" smtClean="0"/>
+              <a:t>Objective</a:t>
+            </a:r>
+            <a:endParaRPr lang="en-US" dirty="0"/>
+          </a:p>
+        </p:txBody>
+      </p:sp>
+      <p:sp>
+        <p:nvSpPr>
+          <p:cNvPr id="3" name="Content Placeholder 2"/>
+          <p:cNvSpPr>
+            <a:spLocks noGrp="1"/>
+          </p:cNvSpPr>
+          <p:nvPr>
+            <p:ph idx="1"/>
+          </p:nvPr>
+        </p:nvSpPr>
+        <p:spPr>
+          <a:xfrm>
+            <a:off x="332508" y="1077479"/>
+            <a:ext cx="11397673" cy="4351338"/>
+          </a:xfrm>
+        </p:spPr>
+        <p:txBody>
+          <a:bodyPr/>
+          <a:lstStyle/>
+          <a:p>
+            <a:r>
+              <a:rPr lang="en-US" dirty="0" smtClean="0"/>
+              <a:t>Aim 1: Measure home power consumption using </a:t>
+            </a:r>
+            <a:r>
+              <a:rPr lang="en-US" dirty="0" err="1" smtClean="0"/>
+              <a:t>wifi</a:t>
+            </a:r>
+            <a:r>
+              <a:rPr lang="en-US" dirty="0" smtClean="0"/>
+              <a:t> enabled device that transmits data to emoncms.org.</a:t>
+            </a:r>
+          </a:p>
+          <a:p>
+            <a:endParaRPr lang="en-US" dirty="0"/>
+          </a:p>
+          <a:p>
+            <a:r>
+              <a:rPr lang="en-US" dirty="0" smtClean="0"/>
+              <a:t>Aim 2:  Measure solar power production using </a:t>
+            </a:r>
+            <a:r>
+              <a:rPr lang="en-US" dirty="0" err="1" smtClean="0"/>
+              <a:t>wifi</a:t>
+            </a:r>
+            <a:r>
+              <a:rPr lang="en-US" dirty="0" smtClean="0"/>
+              <a:t> enabled device that transmits data to solaredge.org.</a:t>
+            </a:r>
+          </a:p>
+          <a:p>
+            <a:endParaRPr lang="en-US" dirty="0"/>
+          </a:p>
+          <a:p>
+            <a:r>
+              <a:rPr lang="en-US" dirty="0" smtClean="0"/>
+              <a:t>Aim 3: Integrate home power consumption and solar power production into real-time dashboard using shiny and raspberry pi.</a:t>
+            </a:r>
+            <a:endParaRPr lang="en-US" dirty="0"/>
+          </a:p>
+        </p:txBody>
+      </p:sp>
+    </p:spTree>
+    <p:extLst>
+      <p:ext uri="{BB962C8B-B14F-4D97-AF65-F5344CB8AC3E}">
+        <p14:creationId xmlns:p14="http://schemas.microsoft.com/office/powerpoint/2010/main" val="1267879936"/>
+      </p:ext>
+    </p:extLst>
+  </p:cSld>
+  <p:clrMapOvr>
+    <a:masterClrMapping/>
+  </p:clrMapOvr>
+</p:sld>
+</file>
+
+<file path=ppt/slides/slide4.xml><?xml version="1.0" encoding="utf-8"?>
+<p:sld xmlns:a="http://schemas.openxmlformats.org/drawingml/2006/main" xmlns:r="http://schemas.openxmlformats.org/officeDocument/2006/relationships" xmlns:p="http://schemas.openxmlformats.org/presentationml/2006/main">
+  <p:cSld>
+    <p:spTree>
+      <p:nvGrpSpPr>
+        <p:cNvPr id="1" name=""/>
+        <p:cNvGrpSpPr/>
+        <p:nvPr/>
+      </p:nvGrpSpPr>
+      <p:grpSpPr>
+        <a:xfrm>
+          <a:off x="0" y="0"/>
+          <a:ext cx="0" cy="0"/>
+          <a:chOff x="0" y="0"/>
+          <a:chExt cx="0" cy="0"/>
+        </a:xfrm>
+      </p:grpSpPr>
+      <p:sp>
+        <p:nvSpPr>
           <p:cNvPr id="4" name="TextBox 3"/>
           <p:cNvSpPr txBox="1"/>
           <p:nvPr/>
@@ -3290,7 +3731,7 @@
                 <a14:useLocalDpi xmlns:a14="http://schemas.microsoft.com/office/drawing/2010/main" val="0"/>
               </a:ext>
               <a:ext uri="{96DAC541-7B7A-43D3-8B79-37D633B846F1}">
-                <asvg:svgBlip xmlns:asvg="http://schemas.microsoft.com/office/drawing/2016/SVG/main" xmlns="" r:embed="rId5"/>
+                <asvg:svgBlip xmlns="" xmlns:asvg="http://schemas.microsoft.com/office/drawing/2016/SVG/main" r:embed="rId5"/>
               </a:ext>
             </a:extLst>
           </a:blip>
@@ -3753,7 +4194,7 @@
                   <a14:useLocalDpi xmlns:a14="http://schemas.microsoft.com/office/drawing/2010/main" val="0"/>
                 </a:ext>
                 <a:ext uri="{96DAC541-7B7A-43D3-8B79-37D633B846F1}">
-                  <asvg:svgBlip xmlns:asvg="http://schemas.microsoft.com/office/drawing/2016/SVG/main" xmlns="" r:embed="rId3"/>
+                  <asvg:svgBlip xmlns="" xmlns:asvg="http://schemas.microsoft.com/office/drawing/2016/SVG/main" r:embed="rId3"/>
                 </a:ext>
               </a:extLst>
             </a:blip>
@@ -3784,7 +4225,7 @@
 </p:sld>
 </file>
 
-<file path=ppt/slides/slide2.xml><?xml version="1.0" encoding="utf-8"?>
+<file path=ppt/slides/slide5.xml><?xml version="1.0" encoding="utf-8"?>
 <p:sld xmlns:a="http://schemas.openxmlformats.org/drawingml/2006/main" xmlns:r="http://schemas.openxmlformats.org/officeDocument/2006/relationships" xmlns:p="http://schemas.openxmlformats.org/presentationml/2006/main">
   <p:cSld>
     <p:spTree>
